--- a/aesys_PPT_kubernetes.pptx
+++ b/aesys_PPT_kubernetes.pptx
@@ -6186,7 +6186,7 @@
                 <a:spcPct val="100000"/>
               </a:lnSpc>
             </a:pPr>
-            <a:fld id="{49B944EF-210C-4C53-95CE-73435CC5744F}" type="slidenum">
+            <a:fld id="{665B71C4-0FBA-4954-BA0E-17745FCAECEF}" type="slidenum">
               <a:rPr b="0" lang="it-IT" sz="1200" spc="-1" strike="noStrike">
                 <a:solidFill>
                   <a:srgbClr val="8b8b8b"/>
@@ -6846,7 +6846,7 @@
                 <a:spcPct val="100000"/>
               </a:lnSpc>
             </a:pPr>
-            <a:fld id="{2F7D8DB3-2FD7-4098-9185-BC6C36762970}" type="slidenum">
+            <a:fld id="{5229D15F-878E-49FC-9D7E-A49AD3565AC4}" type="slidenum">
               <a:rPr b="0" lang="it-IT" sz="1000" spc="-1" strike="noStrike">
                 <a:solidFill>
                   <a:srgbClr val="484b52"/>
@@ -7434,7 +7434,7 @@
                 <a:latin typeface="Roboto Condensed Light"/>
                 <a:ea typeface="Roboto Condensed Light"/>
               </a:rPr>
-              <a:t>- Accede alle direttive di Linux sfruttando il kernel della macchina host </a:t>
+              <a:t>- Accede alle funzioni di Linux sfruttando il kernel della macchina host </a:t>
             </a:r>
             <a:endParaRPr b="0" lang="en-US" sz="2000" spc="-1" strike="noStrike">
               <a:latin typeface="Arial"/>
@@ -10257,7 +10257,7 @@
                 <a:spcPct val="100000"/>
               </a:lnSpc>
             </a:pPr>
-            <a:fld id="{B89F081B-FC74-4C7E-A17E-93B5EE643F28}" type="slidenum">
+            <a:fld id="{B29D8E69-0362-4C92-89A8-B97BD99A05F7}" type="slidenum">
               <a:rPr b="0" lang="it-IT" sz="1000" spc="-1" strike="noStrike">
                 <a:solidFill>
                   <a:srgbClr val="484b52"/>
@@ -10548,7 +10548,7 @@
                 <a:latin typeface="Roboto Condensed"/>
                 <a:ea typeface="Roboto Condensed"/>
               </a:rPr>
-              <a:t>utilizzano container in produzione</a:t>
+              <a:t>utilizzano i container in produzione</a:t>
             </a:r>
             <a:br/>
             <a:r>
@@ -11448,7 +11448,7 @@
         <p:spPr>
           <a:xfrm>
             <a:off x="1113840" y="2057400"/>
-            <a:ext cx="8944560" cy="2660400"/>
+            <a:ext cx="8944560" cy="2364840"/>
           </a:xfrm>
           <a:prstGeom prst="rect">
             <a:avLst/>
@@ -11470,7 +11470,79 @@
                 </a:solidFill>
                 <a:latin typeface="Roboto Condensed Light"/>
               </a:rPr>
-              <a:t>- Possibilità di spinnare un’intero stack in locale con un solo comando</a:t>
+              <a:t>- </a:t>
+            </a:r>
+            <a:r>
+              <a:rPr b="0" lang="it-IT" sz="2000" spc="-1" strike="noStrike">
+                <a:solidFill>
+                  <a:srgbClr val="404040"/>
+                </a:solidFill>
+                <a:latin typeface="Roboto Condensed Light"/>
+              </a:rPr>
+              <a:t>Possibilità </a:t>
+            </a:r>
+            <a:r>
+              <a:rPr b="0" lang="it-IT" sz="2000" spc="-1" strike="noStrike">
+                <a:solidFill>
+                  <a:srgbClr val="404040"/>
+                </a:solidFill>
+                <a:latin typeface="Roboto Condensed Light"/>
+              </a:rPr>
+              <a:t>di </a:t>
+            </a:r>
+            <a:r>
+              <a:rPr b="0" lang="it-IT" sz="2000" spc="-1" strike="noStrike">
+                <a:solidFill>
+                  <a:srgbClr val="404040"/>
+                </a:solidFill>
+                <a:latin typeface="Roboto Condensed Light"/>
+              </a:rPr>
+              <a:t>spinnare </a:t>
+            </a:r>
+            <a:r>
+              <a:rPr b="0" lang="it-IT" sz="2000" spc="-1" strike="noStrike">
+                <a:solidFill>
+                  <a:srgbClr val="404040"/>
+                </a:solidFill>
+                <a:latin typeface="Roboto Condensed Light"/>
+              </a:rPr>
+              <a:t>un’intero </a:t>
+            </a:r>
+            <a:r>
+              <a:rPr b="0" lang="it-IT" sz="2000" spc="-1" strike="noStrike">
+                <a:solidFill>
+                  <a:srgbClr val="404040"/>
+                </a:solidFill>
+                <a:latin typeface="Roboto Condensed Light"/>
+              </a:rPr>
+              <a:t>stack in </a:t>
+            </a:r>
+            <a:r>
+              <a:rPr b="0" lang="it-IT" sz="2000" spc="-1" strike="noStrike">
+                <a:solidFill>
+                  <a:srgbClr val="404040"/>
+                </a:solidFill>
+                <a:latin typeface="Roboto Condensed Light"/>
+              </a:rPr>
+              <a:t>locale con </a:t>
+            </a:r>
+            <a:r>
+              <a:rPr b="0" lang="it-IT" sz="2000" spc="-1" strike="noStrike">
+                <a:solidFill>
+                  <a:srgbClr val="404040"/>
+                </a:solidFill>
+                <a:latin typeface="Roboto Condensed Light"/>
+              </a:rPr>
+              <a:t>un solo </a:t>
+            </a:r>
+            <a:r>
+              <a:rPr b="0" lang="it-IT" sz="2000" spc="-1" strike="noStrike">
+                <a:solidFill>
+                  <a:srgbClr val="404040"/>
+                </a:solidFill>
+                <a:latin typeface="Roboto Condensed Light"/>
+              </a:rPr>
+              <a:t>comando</a:t>
             </a:r>
             <a:endParaRPr b="0" lang="it-IT" sz="2000" spc="-1" strike="noStrike">
               <a:solidFill>
@@ -11488,7 +11560,52 @@
                 </a:solidFill>
                 <a:latin typeface="Roboto Condensed Light"/>
               </a:rPr>
-              <a:t>- SENZA INSTALLARE NULLA WTF ( a parte Docker )</a:t>
+              <a:t>- SENZA </a:t>
+            </a:r>
+            <a:r>
+              <a:rPr b="0" lang="it-IT" sz="2000" spc="-1" strike="noStrike">
+                <a:solidFill>
+                  <a:srgbClr val="404040"/>
+                </a:solidFill>
+                <a:latin typeface="Roboto Condensed Light"/>
+              </a:rPr>
+              <a:t>INSTALLAR</a:t>
+            </a:r>
+            <a:r>
+              <a:rPr b="0" lang="it-IT" sz="2000" spc="-1" strike="noStrike">
+                <a:solidFill>
+                  <a:srgbClr val="404040"/>
+                </a:solidFill>
+                <a:latin typeface="Roboto Condensed Light"/>
+              </a:rPr>
+              <a:t>E NULLA </a:t>
+            </a:r>
+            <a:r>
+              <a:rPr b="0" lang="it-IT" sz="2000" spc="-1" strike="noStrike">
+                <a:solidFill>
+                  <a:srgbClr val="404040"/>
+                </a:solidFill>
+                <a:latin typeface="Roboto Condensed Light"/>
+              </a:rPr>
+              <a:t>WTF ( a </a:t>
+            </a:r>
+            <a:r>
+              <a:rPr b="0" lang="it-IT" sz="2000" spc="-1" strike="noStrike">
+                <a:solidFill>
+                  <a:srgbClr val="404040"/>
+                </a:solidFill>
+                <a:latin typeface="Roboto Condensed Light"/>
+              </a:rPr>
+              <a:t>parte </a:t>
+            </a:r>
+            <a:r>
+              <a:rPr b="0" lang="it-IT" sz="2000" spc="-1" strike="noStrike">
+                <a:solidFill>
+                  <a:srgbClr val="404040"/>
+                </a:solidFill>
+                <a:latin typeface="Roboto Condensed Light"/>
+              </a:rPr>
+              <a:t>Docker )</a:t>
             </a:r>
             <a:endParaRPr b="0" lang="it-IT" sz="2000" spc="-1" strike="noStrike">
               <a:solidFill>
@@ -11511,7 +11628,52 @@
                 </a:solidFill>
                 <a:latin typeface="Roboto Condensed Light"/>
               </a:rPr>
-              <a:t>- Mai più “it works on my machine” ( o quasi… )</a:t>
+              <a:t>- Mai più </a:t>
+            </a:r>
+            <a:r>
+              <a:rPr b="0" lang="it-IT" sz="2000" spc="-1" strike="noStrike">
+                <a:solidFill>
+                  <a:srgbClr val="404040"/>
+                </a:solidFill>
+                <a:latin typeface="Roboto Condensed Light"/>
+              </a:rPr>
+              <a:t>“it works </a:t>
+            </a:r>
+            <a:r>
+              <a:rPr b="0" lang="it-IT" sz="2000" spc="-1" strike="noStrike">
+                <a:solidFill>
+                  <a:srgbClr val="404040"/>
+                </a:solidFill>
+                <a:latin typeface="Roboto Condensed Light"/>
+              </a:rPr>
+              <a:t>on my </a:t>
+            </a:r>
+            <a:r>
+              <a:rPr b="0" lang="it-IT" sz="2000" spc="-1" strike="noStrike">
+                <a:solidFill>
+                  <a:srgbClr val="404040"/>
+                </a:solidFill>
+                <a:latin typeface="Roboto Condensed Light"/>
+              </a:rPr>
+              <a:t>machine” </a:t>
+            </a:r>
+            <a:r>
+              <a:rPr b="0" lang="it-IT" sz="2000" spc="-1" strike="noStrike">
+                <a:solidFill>
+                  <a:srgbClr val="404040"/>
+                </a:solidFill>
+                <a:latin typeface="Roboto Condensed Light"/>
+              </a:rPr>
+              <a:t>( o quasi… </a:t>
+            </a:r>
+            <a:r>
+              <a:rPr b="0" lang="it-IT" sz="2000" spc="-1" strike="noStrike">
+                <a:solidFill>
+                  <a:srgbClr val="404040"/>
+                </a:solidFill>
+                <a:latin typeface="Roboto Condensed Light"/>
+              </a:rPr>
+              <a:t>)</a:t>
             </a:r>
             <a:endParaRPr b="0" lang="it-IT" sz="2000" spc="-1" strike="noStrike">
               <a:solidFill>
@@ -11534,7 +11696,79 @@
                 </a:solidFill>
                 <a:latin typeface="Roboto Condensed Light"/>
               </a:rPr>
-              <a:t>- Impacchettare, pubblicare e rilasciare applicazioni con uno stesso formato</a:t>
+              <a:t>- </a:t>
+            </a:r>
+            <a:r>
+              <a:rPr b="0" lang="it-IT" sz="2000" spc="-1" strike="noStrike">
+                <a:solidFill>
+                  <a:srgbClr val="404040"/>
+                </a:solidFill>
+                <a:latin typeface="Roboto Condensed Light"/>
+              </a:rPr>
+              <a:t>Impacchet</a:t>
+            </a:r>
+            <a:r>
+              <a:rPr b="0" lang="it-IT" sz="2000" spc="-1" strike="noStrike">
+                <a:solidFill>
+                  <a:srgbClr val="404040"/>
+                </a:solidFill>
+                <a:latin typeface="Roboto Condensed Light"/>
+              </a:rPr>
+              <a:t>tare, </a:t>
+            </a:r>
+            <a:r>
+              <a:rPr b="0" lang="it-IT" sz="2000" spc="-1" strike="noStrike">
+                <a:solidFill>
+                  <a:srgbClr val="404040"/>
+                </a:solidFill>
+                <a:latin typeface="Roboto Condensed Light"/>
+              </a:rPr>
+              <a:t>pubblicare </a:t>
+            </a:r>
+            <a:r>
+              <a:rPr b="0" lang="it-IT" sz="2000" spc="-1" strike="noStrike">
+                <a:solidFill>
+                  <a:srgbClr val="404040"/>
+                </a:solidFill>
+                <a:latin typeface="Roboto Condensed Light"/>
+              </a:rPr>
+              <a:t>e </a:t>
+            </a:r>
+            <a:r>
+              <a:rPr b="0" lang="it-IT" sz="2000" spc="-1" strike="noStrike">
+                <a:solidFill>
+                  <a:srgbClr val="404040"/>
+                </a:solidFill>
+                <a:latin typeface="Roboto Condensed Light"/>
+              </a:rPr>
+              <a:t>rilasciare </a:t>
+            </a:r>
+            <a:r>
+              <a:rPr b="0" lang="it-IT" sz="2000" spc="-1" strike="noStrike">
+                <a:solidFill>
+                  <a:srgbClr val="404040"/>
+                </a:solidFill>
+                <a:latin typeface="Roboto Condensed Light"/>
+              </a:rPr>
+              <a:t>applicazio</a:t>
+            </a:r>
+            <a:r>
+              <a:rPr b="0" lang="it-IT" sz="2000" spc="-1" strike="noStrike">
+                <a:solidFill>
+                  <a:srgbClr val="404040"/>
+                </a:solidFill>
+                <a:latin typeface="Roboto Condensed Light"/>
+              </a:rPr>
+              <a:t>ni con uno </a:t>
+            </a:r>
+            <a:r>
+              <a:rPr b="0" lang="it-IT" sz="2000" spc="-1" strike="noStrike">
+                <a:solidFill>
+                  <a:srgbClr val="404040"/>
+                </a:solidFill>
+                <a:latin typeface="Roboto Condensed Light"/>
+              </a:rPr>
+              <a:t>stesso</a:t>
             </a:r>
             <a:br/>
             <a:r>
@@ -11544,7 +11778,34 @@
                 </a:solidFill>
                 <a:latin typeface="Roboto Condensed Light"/>
               </a:rPr>
-              <a:t>  ( Docker Image )</a:t>
+              <a:t>  formato </a:t>
+            </a:r>
+            <a:r>
+              <a:rPr b="0" lang="it-IT" sz="2000" spc="-1" strike="noStrike">
+                <a:solidFill>
+                  <a:srgbClr val="404040"/>
+                </a:solidFill>
+                <a:latin typeface="Roboto Condensed Light"/>
+              </a:rPr>
+              <a:t>standard  </a:t>
+            </a:r>
+            <a:r>
+              <a:rPr b="0" lang="it-IT" sz="2000" spc="-1" strike="noStrike">
+                <a:solidFill>
+                  <a:srgbClr val="404040"/>
+                </a:solidFill>
+                <a:latin typeface="Roboto Condensed Light"/>
+              </a:rPr>
+              <a:t>( Docker </a:t>
+            </a:r>
+            <a:r>
+              <a:rPr b="0" lang="it-IT" sz="2000" spc="-1" strike="noStrike">
+                <a:solidFill>
+                  <a:srgbClr val="404040"/>
+                </a:solidFill>
+                <a:latin typeface="Roboto Condensed Light"/>
+              </a:rPr>
+              <a:t>Image )</a:t>
             </a:r>
             <a:endParaRPr b="0" lang="it-IT" sz="2000" spc="-1" strike="noStrike">
               <a:solidFill>
@@ -11567,7 +11828,43 @@
                 </a:solidFill>
                 <a:latin typeface="Roboto Condensed Light"/>
               </a:rPr>
-              <a:t>- Enorme disponibilità di tanti tool plug-&amp;-play </a:t>
+              <a:t>- Enorme </a:t>
+            </a:r>
+            <a:r>
+              <a:rPr b="0" lang="it-IT" sz="2000" spc="-1" strike="noStrike">
+                <a:solidFill>
+                  <a:srgbClr val="404040"/>
+                </a:solidFill>
+                <a:latin typeface="Roboto Condensed Light"/>
+              </a:rPr>
+              <a:t>disponibili</a:t>
+            </a:r>
+            <a:r>
+              <a:rPr b="0" lang="it-IT" sz="2000" spc="-1" strike="noStrike">
+                <a:solidFill>
+                  <a:srgbClr val="404040"/>
+                </a:solidFill>
+                <a:latin typeface="Roboto Condensed Light"/>
+              </a:rPr>
+              <a:t>tà di tanti </a:t>
+            </a:r>
+            <a:r>
+              <a:rPr b="0" lang="it-IT" sz="2000" spc="-1" strike="noStrike">
+                <a:solidFill>
+                  <a:srgbClr val="404040"/>
+                </a:solidFill>
+                <a:latin typeface="Roboto Condensed Light"/>
+              </a:rPr>
+              <a:t>tool plug-</a:t>
+            </a:r>
+            <a:r>
+              <a:rPr b="0" lang="it-IT" sz="2000" spc="-1" strike="noStrike">
+                <a:solidFill>
+                  <a:srgbClr val="404040"/>
+                </a:solidFill>
+                <a:latin typeface="Roboto Condensed Light"/>
+              </a:rPr>
+              <a:t>&amp;-play </a:t>
             </a:r>
             <a:endParaRPr b="0" lang="it-IT" sz="2000" spc="-1" strike="noStrike">
               <a:solidFill>
@@ -11590,7 +11887,61 @@
                 </a:solidFill>
                 <a:latin typeface="Roboto Condensed Light"/>
               </a:rPr>
-              <a:t>- Integrazione con tutti gli IDE di maggiore diffusione</a:t>
+              <a:t>- </a:t>
+            </a:r>
+            <a:r>
+              <a:rPr b="0" lang="it-IT" sz="2000" spc="-1" strike="noStrike">
+                <a:solidFill>
+                  <a:srgbClr val="404040"/>
+                </a:solidFill>
+                <a:latin typeface="Roboto Condensed Light"/>
+              </a:rPr>
+              <a:t>Integrazio</a:t>
+            </a:r>
+            <a:r>
+              <a:rPr b="0" lang="it-IT" sz="2000" spc="-1" strike="noStrike">
+                <a:solidFill>
+                  <a:srgbClr val="404040"/>
+                </a:solidFill>
+                <a:latin typeface="Roboto Condensed Light"/>
+              </a:rPr>
+              <a:t>ne con </a:t>
+            </a:r>
+            <a:r>
+              <a:rPr b="0" lang="it-IT" sz="2000" spc="-1" strike="noStrike">
+                <a:solidFill>
+                  <a:srgbClr val="404040"/>
+                </a:solidFill>
+                <a:latin typeface="Roboto Condensed Light"/>
+              </a:rPr>
+              <a:t>tutti gli </a:t>
+            </a:r>
+            <a:r>
+              <a:rPr b="0" lang="it-IT" sz="2000" spc="-1" strike="noStrike">
+                <a:solidFill>
+                  <a:srgbClr val="404040"/>
+                </a:solidFill>
+                <a:latin typeface="Roboto Condensed Light"/>
+              </a:rPr>
+              <a:t>IDE di </a:t>
+            </a:r>
+            <a:r>
+              <a:rPr b="0" lang="it-IT" sz="2000" spc="-1" strike="noStrike">
+                <a:solidFill>
+                  <a:srgbClr val="404040"/>
+                </a:solidFill>
+                <a:latin typeface="Roboto Condensed Light"/>
+              </a:rPr>
+              <a:t>maggiore </a:t>
+            </a:r>
+            <a:r>
+              <a:rPr b="0" lang="it-IT" sz="2000" spc="-1" strike="noStrike">
+                <a:solidFill>
+                  <a:srgbClr val="404040"/>
+                </a:solidFill>
+                <a:latin typeface="Roboto Condensed Light"/>
+              </a:rPr>
+              <a:t>diffusione</a:t>
             </a:r>
             <a:endParaRPr b="0" lang="it-IT" sz="2000" spc="-1" strike="noStrike">
               <a:solidFill>
@@ -11613,7 +11964,16 @@
                 </a:solidFill>
                 <a:latin typeface="Roboto Condensed Light"/>
               </a:rPr>
-              <a:t>- ETC ETC ETC</a:t>
+              <a:t>- ETC ETC </a:t>
+            </a:r>
+            <a:r>
+              <a:rPr b="0" lang="it-IT" sz="2000" spc="-1" strike="noStrike">
+                <a:solidFill>
+                  <a:srgbClr val="404040"/>
+                </a:solidFill>
+                <a:latin typeface="Roboto Condensed Light"/>
+              </a:rPr>
+              <a:t>ETC</a:t>
             </a:r>
             <a:endParaRPr b="0" lang="it-IT" sz="2000" spc="-1" strike="noStrike">
               <a:solidFill>
@@ -11822,7 +12182,7 @@
         <p:spPr>
           <a:xfrm>
             <a:off x="1113840" y="2057400"/>
-            <a:ext cx="9173160" cy="2660400"/>
+            <a:ext cx="9173160" cy="2813760"/>
           </a:xfrm>
           <a:prstGeom prst="rect">
             <a:avLst/>
@@ -11844,7 +12204,7 @@
                 </a:solidFill>
                 <a:latin typeface="Roboto Condensed Light"/>
               </a:rPr>
-              <a:t>- Infinita sinergia con l’architettura a microservizi</a:t>
+              <a:t>- Grande sinergia con l’architettura a microservizi</a:t>
             </a:r>
             <a:endParaRPr b="0" lang="it-IT" sz="2000" spc="-1" strike="noStrike">
               <a:solidFill>
@@ -11885,7 +12245,7 @@
                 </a:solidFill>
                 <a:latin typeface="Roboto Condensed Light"/>
               </a:rPr>
-              <a:t>- Grande disponibilità di strumenti, tool e standards production-ready</a:t>
+              <a:t>- Grande disponibilità di strumenti, tool e standard production-ready</a:t>
             </a:r>
             <a:endParaRPr b="0" lang="it-IT" sz="2000" spc="-1" strike="noStrike">
               <a:solidFill>
@@ -11965,7 +12325,6 @@
               </a:rPr>
               <a:t>- ETC ETC</a:t>
             </a:r>
-            <a:br/>
             <a:endParaRPr b="0" lang="it-IT" sz="2000" spc="-1" strike="noStrike">
               <a:solidFill>
                 <a:srgbClr val="404040"/>
@@ -12025,7 +12384,7 @@
         </p:blipFill>
         <p:spPr>
           <a:xfrm>
-            <a:off x="1799640" y="4107600"/>
+            <a:off x="1371600" y="3886200"/>
             <a:ext cx="714960" cy="693000"/>
           </a:xfrm>
           <a:prstGeom prst="rect">
@@ -12216,7 +12575,7 @@
               <a:rPr b="0" lang="en-US" sz="2800" spc="-1" strike="noStrike">
                 <a:latin typeface="Arial"/>
               </a:rPr>
-              <a:t>Docker è un cosiddetto “container engine”</a:t>
+              <a:t>Docker è un “container engine”</a:t>
             </a:r>
             <a:endParaRPr b="0" lang="en-US" sz="2800" spc="-1" strike="noStrike">
               <a:latin typeface="Arial"/>
@@ -12287,7 +12646,7 @@
                 <a:latin typeface="Roboto Condensed Light"/>
                 <a:ea typeface="Roboto Condensed Light"/>
               </a:rPr>
-              <a:t>- Supporta tutti i principali sistemi operativi con (tramite VM Linux)</a:t>
+              <a:t>- Supporta tutti i principali sistemi operativi (tramite VM Linux)</a:t>
             </a:r>
             <a:endParaRPr b="0" lang="en-US" sz="2000" spc="-1" strike="noStrike">
               <a:latin typeface="Arial"/>
